--- a/ISM_6419_Final_Project_Raghav_Dasari.pptx
+++ b/ISM_6419_Final_Project_Raghav_Dasari.pptx
@@ -13049,7 +13049,6 @@
               <a:rPr lang="en-US" sz="2800" dirty="0"/>
               <a:t>Topic: COVID -19 Tracking</a:t>
             </a:r>
-            <a:endParaRPr lang="en-US" sz="2800" dirty="0"/>
           </a:p>
         </p:txBody>
       </p:sp>
@@ -13923,8 +13922,8 @@
         </p:blipFill>
         <p:spPr bwMode="auto">
           <a:xfrm>
-            <a:off x="0" y="1143000"/>
-            <a:ext cx="9144000" cy="4572000"/>
+            <a:off x="0" y="914400"/>
+            <a:ext cx="9144000" cy="4876800"/>
           </a:xfrm>
           <a:prstGeom prst="rect">
             <a:avLst/>
@@ -14212,7 +14211,7 @@
       </p:sp>
       <p:pic>
         <p:nvPicPr>
-          <p:cNvPr id="2050" name="Picture 2"/>
+          <p:cNvPr id="3" name="Picture 2"/>
           <p:cNvPicPr>
             <a:picLocks noChangeAspect="1" noChangeArrowheads="1"/>
           </p:cNvPicPr>
@@ -14233,8 +14232,8 @@
         </p:blipFill>
         <p:spPr bwMode="auto">
           <a:xfrm>
-            <a:off x="0" y="1066800"/>
-            <a:ext cx="9144000" cy="4724400"/>
+            <a:off x="0" y="914400"/>
+            <a:ext cx="9144000" cy="4889500"/>
           </a:xfrm>
           <a:prstGeom prst="rect">
             <a:avLst/>
@@ -14323,59 +14322,6 @@
                                         <p:cTn id="7" dur="2000"/>
                                         <p:tgtEl>
                                           <p:spTgt spid="2"/>
-                                        </p:tgtEl>
-                                      </p:cBhvr>
-                                    </p:animEffect>
-                                  </p:childTnLst>
-                                </p:cTn>
-                              </p:par>
-                            </p:childTnLst>
-                          </p:cTn>
-                        </p:par>
-                      </p:childTnLst>
-                    </p:cTn>
-                  </p:par>
-                  <p:par>
-                    <p:cTn id="8" fill="hold">
-                      <p:stCondLst>
-                        <p:cond delay="indefinite"/>
-                      </p:stCondLst>
-                      <p:childTnLst>
-                        <p:par>
-                          <p:cTn id="9" fill="hold">
-                            <p:stCondLst>
-                              <p:cond delay="0"/>
-                            </p:stCondLst>
-                            <p:childTnLst>
-                              <p:par>
-                                <p:cTn id="10" presetID="22" presetClass="entr" presetSubtype="4" fill="hold" nodeType="clickEffect">
-                                  <p:stCondLst>
-                                    <p:cond delay="0"/>
-                                  </p:stCondLst>
-                                  <p:childTnLst>
-                                    <p:set>
-                                      <p:cBhvr>
-                                        <p:cTn id="11" dur="1" fill="hold">
-                                          <p:stCondLst>
-                                            <p:cond delay="0"/>
-                                          </p:stCondLst>
-                                        </p:cTn>
-                                        <p:tgtEl>
-                                          <p:spTgt spid="2050"/>
-                                        </p:tgtEl>
-                                        <p:attrNameLst>
-                                          <p:attrName>style.visibility</p:attrName>
-                                        </p:attrNameLst>
-                                      </p:cBhvr>
-                                      <p:to>
-                                        <p:strVal val="visible"/>
-                                      </p:to>
-                                    </p:set>
-                                    <p:animEffect transition="in" filter="wipe(down)">
-                                      <p:cBhvr>
-                                        <p:cTn id="12" dur="500"/>
-                                        <p:tgtEl>
-                                          <p:spTgt spid="2050"/>
                                         </p:tgtEl>
                                       </p:cBhvr>
                                     </p:animEffect>
@@ -14476,7 +14422,7 @@
       </p:sp>
       <p:pic>
         <p:nvPicPr>
-          <p:cNvPr id="3074" name="Picture 2"/>
+          <p:cNvPr id="1026" name="Picture 2"/>
           <p:cNvPicPr>
             <a:picLocks noChangeAspect="1" noChangeArrowheads="1"/>
           </p:cNvPicPr>
@@ -14497,8 +14443,8 @@
         </p:blipFill>
         <p:spPr bwMode="auto">
           <a:xfrm>
-            <a:off x="0" y="838200"/>
-            <a:ext cx="9144000" cy="4914900"/>
+            <a:off x="0" y="914400"/>
+            <a:ext cx="9143999" cy="4876800"/>
           </a:xfrm>
           <a:prstGeom prst="rect">
             <a:avLst/>
@@ -14637,59 +14583,6 @@
                       </p:childTnLst>
                     </p:cTn>
                   </p:par>
-                  <p:par>
-                    <p:cTn id="9" fill="hold">
-                      <p:stCondLst>
-                        <p:cond delay="indefinite"/>
-                      </p:stCondLst>
-                      <p:childTnLst>
-                        <p:par>
-                          <p:cTn id="10" fill="hold">
-                            <p:stCondLst>
-                              <p:cond delay="0"/>
-                            </p:stCondLst>
-                            <p:childTnLst>
-                              <p:par>
-                                <p:cTn id="11" presetID="6" presetClass="entr" presetSubtype="16" fill="hold" nodeType="clickEffect">
-                                  <p:stCondLst>
-                                    <p:cond delay="0"/>
-                                  </p:stCondLst>
-                                  <p:childTnLst>
-                                    <p:set>
-                                      <p:cBhvr>
-                                        <p:cTn id="12" dur="1" fill="hold">
-                                          <p:stCondLst>
-                                            <p:cond delay="0"/>
-                                          </p:stCondLst>
-                                        </p:cTn>
-                                        <p:tgtEl>
-                                          <p:spTgt spid="3074"/>
-                                        </p:tgtEl>
-                                        <p:attrNameLst>
-                                          <p:attrName>style.visibility</p:attrName>
-                                        </p:attrNameLst>
-                                      </p:cBhvr>
-                                      <p:to>
-                                        <p:strVal val="visible"/>
-                                      </p:to>
-                                    </p:set>
-                                    <p:animEffect transition="in" filter="circle(in)">
-                                      <p:cBhvr>
-                                        <p:cTn id="13" dur="2000"/>
-                                        <p:tgtEl>
-                                          <p:spTgt spid="3074"/>
-                                        </p:tgtEl>
-                                      </p:cBhvr>
-                                    </p:animEffect>
-                                  </p:childTnLst>
-                                </p:cTn>
-                              </p:par>
-                            </p:childTnLst>
-                          </p:cTn>
-                        </p:par>
-                      </p:childTnLst>
-                    </p:cTn>
-                  </p:par>
                 </p:childTnLst>
               </p:cTn>
               <p:prevCondLst>
@@ -14765,7 +14658,7 @@
       </p:sp>
       <p:pic>
         <p:nvPicPr>
-          <p:cNvPr id="4098" name="Picture 2"/>
+          <p:cNvPr id="3074" name="Picture 2"/>
           <p:cNvPicPr>
             <a:picLocks noChangeAspect="1" noChangeArrowheads="1"/>
           </p:cNvPicPr>
@@ -14786,8 +14679,62 @@
         </p:blipFill>
         <p:spPr bwMode="auto">
           <a:xfrm>
-            <a:off x="0" y="990600"/>
-            <a:ext cx="9144000" cy="4667250"/>
+            <a:off x="0" y="609600"/>
+            <a:ext cx="4495800" cy="5181600"/>
+          </a:xfrm>
+          <a:prstGeom prst="rect">
+            <a:avLst/>
+          </a:prstGeom>
+          <a:noFill/>
+          <a:ln>
+            <a:noFill/>
+          </a:ln>
+          <a:extLst>
+            <a:ext uri="{909E8E84-426E-40DD-AFC4-6F175D3DCCD1}">
+              <a14:hiddenFill xmlns:a14="http://schemas.microsoft.com/office/drawing/2010/main">
+                <a:solidFill>
+                  <a:schemeClr val="accent1"/>
+                </a:solidFill>
+              </a14:hiddenFill>
+            </a:ext>
+            <a:ext uri="{91240B29-F687-4F45-9708-019B960494DF}">
+              <a14:hiddenLine xmlns:a14="http://schemas.microsoft.com/office/drawing/2010/main" w="9525">
+                <a:solidFill>
+                  <a:schemeClr val="tx1"/>
+                </a:solidFill>
+                <a:miter lim="800000"/>
+                <a:headEnd/>
+                <a:tailEnd/>
+              </a14:hiddenLine>
+            </a:ext>
+          </a:extLst>
+        </p:spPr>
+      </p:pic>
+      <p:pic>
+        <p:nvPicPr>
+          <p:cNvPr id="3075" name="Picture 3"/>
+          <p:cNvPicPr>
+            <a:picLocks noChangeAspect="1" noChangeArrowheads="1"/>
+          </p:cNvPicPr>
+          <p:nvPr/>
+        </p:nvPicPr>
+        <p:blipFill>
+          <a:blip r:embed="rId3">
+            <a:extLst>
+              <a:ext uri="{28A0092B-C50C-407E-A947-70E740481C1C}">
+                <a14:useLocalDpi xmlns:a14="http://schemas.microsoft.com/office/drawing/2010/main" val="0"/>
+              </a:ext>
+            </a:extLst>
+          </a:blip>
+          <a:srcRect/>
+          <a:stretch>
+            <a:fillRect/>
+          </a:stretch>
+        </p:blipFill>
+        <p:spPr bwMode="auto">
+          <a:xfrm>
+            <a:off x="4572001" y="609600"/>
+            <a:ext cx="4572000" cy="5181600"/>
           </a:xfrm>
           <a:prstGeom prst="rect">
             <a:avLst/>
@@ -14876,59 +14823,6 @@
                                         <p:cTn id="7" dur="2000"/>
                                         <p:tgtEl>
                                           <p:spTgt spid="2"/>
-                                        </p:tgtEl>
-                                      </p:cBhvr>
-                                    </p:animEffect>
-                                  </p:childTnLst>
-                                </p:cTn>
-                              </p:par>
-                            </p:childTnLst>
-                          </p:cTn>
-                        </p:par>
-                      </p:childTnLst>
-                    </p:cTn>
-                  </p:par>
-                  <p:par>
-                    <p:cTn id="8" fill="hold">
-                      <p:stCondLst>
-                        <p:cond delay="indefinite"/>
-                      </p:stCondLst>
-                      <p:childTnLst>
-                        <p:par>
-                          <p:cTn id="9" fill="hold">
-                            <p:stCondLst>
-                              <p:cond delay="0"/>
-                            </p:stCondLst>
-                            <p:childTnLst>
-                              <p:par>
-                                <p:cTn id="10" presetID="14" presetClass="entr" presetSubtype="10" fill="hold" nodeType="clickEffect">
-                                  <p:stCondLst>
-                                    <p:cond delay="0"/>
-                                  </p:stCondLst>
-                                  <p:childTnLst>
-                                    <p:set>
-                                      <p:cBhvr>
-                                        <p:cTn id="11" dur="1" fill="hold">
-                                          <p:stCondLst>
-                                            <p:cond delay="0"/>
-                                          </p:stCondLst>
-                                        </p:cTn>
-                                        <p:tgtEl>
-                                          <p:spTgt spid="4098"/>
-                                        </p:tgtEl>
-                                        <p:attrNameLst>
-                                          <p:attrName>style.visibility</p:attrName>
-                                        </p:attrNameLst>
-                                      </p:cBhvr>
-                                      <p:to>
-                                        <p:strVal val="visible"/>
-                                      </p:to>
-                                    </p:set>
-                                    <p:animEffect transition="in" filter="randombar(horizontal)">
-                                      <p:cBhvr>
-                                        <p:cTn id="12" dur="500"/>
-                                        <p:tgtEl>
-                                          <p:spTgt spid="4098"/>
                                         </p:tgtEl>
                                       </p:cBhvr>
                                     </p:animEffect>
